--- a/prentacja/instrukcja wyświetlenia propozycji strony internetowej w lokalnym środowisku.pptx
+++ b/prentacja/instrukcja wyświetlenia propozycji strony internetowej w lokalnym środowisku.pptx
@@ -18,6 +18,7 @@
     <p:sldId id="267" r:id="rId12"/>
     <p:sldId id="268" r:id="rId13"/>
     <p:sldId id="269" r:id="rId14"/>
+    <p:sldId id="270" r:id="rId15"/>
   </p:sldIdLst>
   <p:sldSz cx="12192000" cy="6858000"/>
   <p:notesSz cx="6858000" cy="9144000"/>
@@ -5181,8 +5182,8 @@
           </a:p>
         </p:txBody>
       </p:sp>
-      <mc:AlternateContent xmlns:mc="http://schemas.openxmlformats.org/markup-compatibility/2006">
-        <mc:Choice xmlns:p14="http://schemas.microsoft.com/office/powerpoint/2010/main" Requires="p14">
+      <mc:AlternateContent xmlns:mc="http://schemas.openxmlformats.org/markup-compatibility/2006" xmlns:p14="http://schemas.microsoft.com/office/powerpoint/2010/main">
+        <mc:Choice Requires="p14">
           <p:contentPart p14:bwMode="auto" r:id="rId3">
             <p14:nvContentPartPr>
               <p14:cNvPr id="17" name="Pismo odręczne 16">
@@ -5201,7 +5202,7 @@
             </p14:xfrm>
           </p:contentPart>
         </mc:Choice>
-        <mc:Fallback>
+        <mc:Fallback xmlns="">
           <p:pic>
             <p:nvPicPr>
               <p:cNvPr id="17" name="Pismo odręczne 16">
@@ -5232,8 +5233,8 @@
           </p:pic>
         </mc:Fallback>
       </mc:AlternateContent>
-      <mc:AlternateContent xmlns:mc="http://schemas.openxmlformats.org/markup-compatibility/2006">
-        <mc:Choice xmlns:p14="http://schemas.microsoft.com/office/powerpoint/2010/main" Requires="p14">
+      <mc:AlternateContent xmlns:mc="http://schemas.openxmlformats.org/markup-compatibility/2006" xmlns:p14="http://schemas.microsoft.com/office/powerpoint/2010/main">
+        <mc:Choice Requires="p14">
           <p:contentPart p14:bwMode="auto" r:id="rId5">
             <p14:nvContentPartPr>
               <p14:cNvPr id="18" name="Pismo odręczne 17">
@@ -5252,7 +5253,7 @@
             </p14:xfrm>
           </p:contentPart>
         </mc:Choice>
-        <mc:Fallback>
+        <mc:Fallback xmlns="">
           <p:pic>
             <p:nvPicPr>
               <p:cNvPr id="18" name="Pismo odręczne 17">
@@ -5283,8 +5284,8 @@
           </p:pic>
         </mc:Fallback>
       </mc:AlternateContent>
-      <mc:AlternateContent xmlns:mc="http://schemas.openxmlformats.org/markup-compatibility/2006">
-        <mc:Choice xmlns:p14="http://schemas.microsoft.com/office/powerpoint/2010/main" Requires="p14">
+      <mc:AlternateContent xmlns:mc="http://schemas.openxmlformats.org/markup-compatibility/2006" xmlns:p14="http://schemas.microsoft.com/office/powerpoint/2010/main">
+        <mc:Choice Requires="p14">
           <p:contentPart p14:bwMode="auto" r:id="rId7">
             <p14:nvContentPartPr>
               <p14:cNvPr id="19" name="Pismo odręczne 18">
@@ -5303,7 +5304,7 @@
             </p14:xfrm>
           </p:contentPart>
         </mc:Choice>
-        <mc:Fallback>
+        <mc:Fallback xmlns="">
           <p:pic>
             <p:nvPicPr>
               <p:cNvPr id="19" name="Pismo odręczne 18">
@@ -5334,8 +5335,8 @@
           </p:pic>
         </mc:Fallback>
       </mc:AlternateContent>
-      <mc:AlternateContent xmlns:mc="http://schemas.openxmlformats.org/markup-compatibility/2006">
-        <mc:Choice xmlns:p14="http://schemas.microsoft.com/office/powerpoint/2010/main" Requires="p14">
+      <mc:AlternateContent xmlns:mc="http://schemas.openxmlformats.org/markup-compatibility/2006" xmlns:p14="http://schemas.microsoft.com/office/powerpoint/2010/main">
+        <mc:Choice Requires="p14">
           <p:contentPart p14:bwMode="auto" r:id="rId9">
             <p14:nvContentPartPr>
               <p14:cNvPr id="20" name="Pismo odręczne 19">
@@ -5354,7 +5355,7 @@
             </p14:xfrm>
           </p:contentPart>
         </mc:Choice>
-        <mc:Fallback>
+        <mc:Fallback xmlns="">
           <p:pic>
             <p:nvPicPr>
               <p:cNvPr id="20" name="Pismo odręczne 19">
@@ -5389,6 +5390,107 @@
     <p:extLst>
       <p:ext uri="{BB962C8B-B14F-4D97-AF65-F5344CB8AC3E}">
         <p14:creationId xmlns:p14="http://schemas.microsoft.com/office/powerpoint/2010/main" val="4003840725"/>
+      </p:ext>
+    </p:extLst>
+  </p:cSld>
+  <p:clrMapOvr>
+    <a:masterClrMapping/>
+  </p:clrMapOvr>
+</p:sld>
+</file>
+
+<file path=ppt/slides/slide14.xml><?xml version="1.0" encoding="utf-8"?>
+<p:sld xmlns:a="http://schemas.openxmlformats.org/drawingml/2006/main" xmlns:r="http://schemas.openxmlformats.org/officeDocument/2006/relationships" xmlns:p="http://schemas.openxmlformats.org/presentationml/2006/main">
+  <p:cSld>
+    <p:spTree>
+      <p:nvGrpSpPr>
+        <p:cNvPr id="1" name=""/>
+        <p:cNvGrpSpPr/>
+        <p:nvPr/>
+      </p:nvGrpSpPr>
+      <p:grpSpPr>
+        <a:xfrm>
+          <a:off x="0" y="0"/>
+          <a:ext cx="0" cy="0"/>
+          <a:chOff x="0" y="0"/>
+          <a:chExt cx="0" cy="0"/>
+        </a:xfrm>
+      </p:grpSpPr>
+      <p:pic>
+        <p:nvPicPr>
+          <p:cNvPr id="5" name="Symbol zastępczy zawartości 4">
+            <a:extLst>
+              <a:ext uri="{FF2B5EF4-FFF2-40B4-BE49-F238E27FC236}">
+                <a16:creationId xmlns:a16="http://schemas.microsoft.com/office/drawing/2014/main" id="{27BF91F6-A0B4-94AA-BF47-AD9ACACE21FA}"/>
+              </a:ext>
+            </a:extLst>
+          </p:cNvPr>
+          <p:cNvPicPr>
+            <a:picLocks noGrp="1" noChangeAspect="1"/>
+          </p:cNvPicPr>
+          <p:nvPr>
+            <p:ph idx="1"/>
+          </p:nvPr>
+        </p:nvPicPr>
+        <p:blipFill>
+          <a:blip r:embed="rId2"/>
+          <a:stretch>
+            <a:fillRect/>
+          </a:stretch>
+        </p:blipFill>
+        <p:spPr>
+          <a:xfrm>
+            <a:off x="0" y="0"/>
+            <a:ext cx="13689496" cy="6858001"/>
+          </a:xfrm>
+        </p:spPr>
+      </p:pic>
+      <p:sp>
+        <p:nvSpPr>
+          <p:cNvPr id="2" name="Tytuł 1">
+            <a:extLst>
+              <a:ext uri="{FF2B5EF4-FFF2-40B4-BE49-F238E27FC236}">
+                <a16:creationId xmlns:a16="http://schemas.microsoft.com/office/drawing/2014/main" id="{35CBFC65-DD2E-4588-319D-11C9E2BE4E9A}"/>
+              </a:ext>
+            </a:extLst>
+          </p:cNvPr>
+          <p:cNvSpPr>
+            <a:spLocks noGrp="1"/>
+          </p:cNvSpPr>
+          <p:nvPr>
+            <p:ph type="title"/>
+          </p:nvPr>
+        </p:nvSpPr>
+        <p:spPr>
+          <a:xfrm>
+            <a:off x="3642360" y="2011045"/>
+            <a:ext cx="10515600" cy="1325563"/>
+          </a:xfrm>
+        </p:spPr>
+        <p:txBody>
+          <a:bodyPr>
+            <a:normAutofit/>
+          </a:bodyPr>
+          <a:lstStyle/>
+          <a:p>
+            <a:r>
+              <a:rPr lang="pl-PL" sz="1800" dirty="0">
+                <a:solidFill>
+                  <a:srgbClr val="FF0000"/>
+                </a:solidFill>
+                <a:highlight>
+                  <a:srgbClr val="C0C0C0"/>
+                </a:highlight>
+              </a:rPr>
+              <a:t>By dodać certyfikaty i oferty pracy edytujemy </a:t>
+            </a:r>
+          </a:p>
+        </p:txBody>
+      </p:sp>
+    </p:spTree>
+    <p:extLst>
+      <p:ext uri="{BB962C8B-B14F-4D97-AF65-F5344CB8AC3E}">
+        <p14:creationId xmlns:p14="http://schemas.microsoft.com/office/powerpoint/2010/main" val="1694145606"/>
       </p:ext>
     </p:extLst>
   </p:cSld>
